--- a/src/Java/MultiThreading/MultiThreading.pptx
+++ b/src/Java/MultiThreading/MultiThreading.pptx
@@ -7,7 +7,12 @@
   <p:sldIdLst>
     <p:sldId id="256" r:id="rId2"/>
     <p:sldId id="257" r:id="rId3"/>
-    <p:sldId id="258" r:id="rId4"/>
+    <p:sldId id="261" r:id="rId4"/>
+    <p:sldId id="258" r:id="rId5"/>
+    <p:sldId id="259" r:id="rId6"/>
+    <p:sldId id="260" r:id="rId7"/>
+    <p:sldId id="263" r:id="rId8"/>
+    <p:sldId id="262" r:id="rId9"/>
   </p:sldIdLst>
   <p:sldSz cx="12192000" cy="6858000"/>
   <p:notesSz cx="6858000" cy="9144000"/>
@@ -106,6 +111,11 @@
       </a:defRPr>
     </a:lvl9pPr>
   </p:defaultTextStyle>
+  <p:extLst>
+    <p:ext uri="{EFAFB233-063F-42B5-8137-9DF3F51BA10A}">
+      <p15:sldGuideLst xmlns:p15="http://schemas.microsoft.com/office/powerpoint/2012/main"/>
+    </p:ext>
+  </p:extLst>
 </p:presentation>
 </file>
 
@@ -4184,10 +4194,6 @@
             </a:r>
           </a:p>
           <a:p>
-            <a:pPr algn="l"/>
-            <a:endParaRPr lang="en-US" sz="2000" dirty="0"/>
-          </a:p>
-          <a:p>
             <a:pPr marL="342900" indent="-342900" algn="l">
               <a:buFont typeface="Wingdings" panose="05000000000000000000" pitchFamily="2" charset="2"/>
               <a:buChar char="v"/>
@@ -4229,10 +4235,6 @@
             </a:r>
           </a:p>
           <a:p>
-            <a:pPr algn="l"/>
-            <a:endParaRPr lang="en-US" sz="2000" dirty="0"/>
-          </a:p>
-          <a:p>
             <a:pPr marL="342900" indent="-342900" algn="l">
               <a:buFont typeface="Wingdings" panose="05000000000000000000" pitchFamily="2" charset="2"/>
               <a:buChar char="v"/>
@@ -4263,6 +4265,24 @@
             </a:r>
           </a:p>
           <a:p>
+            <a:pPr marL="342900" indent="-342900" algn="l">
+              <a:buFont typeface="Wingdings" panose="05000000000000000000" pitchFamily="2" charset="2"/>
+              <a:buChar char="ü"/>
+            </a:pPr>
+            <a:r>
+              <a:rPr lang="en-US" sz="2000" dirty="0"/>
+              <a:t>To get the result of the computation, we must call the </a:t>
+            </a:r>
+            <a:r>
+              <a:rPr lang="en-US" sz="2000" b="1" dirty="0"/>
+              <a:t>get()</a:t>
+            </a:r>
+            <a:r>
+              <a:rPr lang="en-US" sz="2000" dirty="0"/>
+              <a:t> method, which block the calling thread until the task is completed. This can make our application less responsive.</a:t>
+            </a:r>
+          </a:p>
+          <a:p>
             <a:pPr algn="l"/>
             <a:r>
               <a:rPr lang="en-US" sz="2000" b="1" dirty="0"/>
@@ -4270,9 +4290,35 @@
             </a:r>
             <a:r>
               <a:rPr lang="en-US" sz="2000" dirty="0"/>
-              <a:t>Future&lt;T&gt; futureResult = executorService.submit();</a:t>
-            </a:r>
-            <a:endParaRPr lang="en-US" sz="2000" b="1" dirty="0"/>
+              <a:t>Future&lt;T&gt; futureResult = </a:t>
+            </a:r>
+            <a:r>
+              <a:rPr lang="en-US" sz="2000" dirty="0" err="1"/>
+              <a:t>executorService.submit</a:t>
+            </a:r>
+            <a:r>
+              <a:rPr lang="en-US" sz="2000" dirty="0"/>
+              <a:t>();</a:t>
+            </a:r>
+          </a:p>
+          <a:p>
+            <a:pPr algn="l"/>
+            <a:r>
+              <a:rPr lang="en-US" sz="2000" b="1" dirty="0"/>
+              <a:t>      </a:t>
+            </a:r>
+            <a:r>
+              <a:rPr lang="en-US" sz="2000" dirty="0"/>
+              <a:t>T result = </a:t>
+            </a:r>
+            <a:r>
+              <a:rPr lang="en-US" sz="2000" dirty="0" err="1"/>
+              <a:t>futureResult.get</a:t>
+            </a:r>
+            <a:r>
+              <a:rPr lang="en-US" sz="2000" dirty="0"/>
+              <a:t>();</a:t>
+            </a:r>
           </a:p>
           <a:p>
             <a:pPr algn="l"/>
@@ -4315,7 +4361,7 @@
           <p:cNvPr id="2" name="Content Placeholder 2">
             <a:extLst>
               <a:ext uri="{FF2B5EF4-FFF2-40B4-BE49-F238E27FC236}">
-                <a16:creationId xmlns:a16="http://schemas.microsoft.com/office/drawing/2014/main" id="{388E002F-D867-6B8D-7E80-A9567069C884}"/>
+                <a16:creationId xmlns:a16="http://schemas.microsoft.com/office/drawing/2014/main" id="{7837DE7B-146A-058C-89D0-3B7170DC0420}"/>
               </a:ext>
             </a:extLst>
           </p:cNvPr>
@@ -4335,6 +4381,418 @@
         </p:spPr>
         <p:txBody>
           <a:bodyPr vert="horz" lIns="91440" tIns="45720" rIns="91440" bIns="45720" rtlCol="0">
+            <a:normAutofit lnSpcReduction="10000"/>
+          </a:bodyPr>
+          <a:lstStyle>
+            <a:lvl1pPr marL="0" indent="0" algn="ctr" defTabSz="914400" rtl="0" eaLnBrk="1" latinLnBrk="0" hangingPunct="1">
+              <a:lnSpc>
+                <a:spcPct val="90000"/>
+              </a:lnSpc>
+              <a:spcBef>
+                <a:spcPts val="1000"/>
+              </a:spcBef>
+              <a:buFont typeface="Arial" panose="020B0604020202020204" pitchFamily="34" charset="0"/>
+              <a:buNone/>
+              <a:defRPr sz="2400" kern="1200">
+                <a:solidFill>
+                  <a:schemeClr val="tx1"/>
+                </a:solidFill>
+                <a:latin typeface="+mn-lt"/>
+                <a:ea typeface="+mn-ea"/>
+                <a:cs typeface="+mn-cs"/>
+              </a:defRPr>
+            </a:lvl1pPr>
+            <a:lvl2pPr marL="457200" indent="0" algn="ctr" defTabSz="914400" rtl="0" eaLnBrk="1" latinLnBrk="0" hangingPunct="1">
+              <a:lnSpc>
+                <a:spcPct val="90000"/>
+              </a:lnSpc>
+              <a:spcBef>
+                <a:spcPts val="500"/>
+              </a:spcBef>
+              <a:buFont typeface="Arial" panose="020B0604020202020204" pitchFamily="34" charset="0"/>
+              <a:buNone/>
+              <a:defRPr sz="2000" kern="1200">
+                <a:solidFill>
+                  <a:schemeClr val="tx1"/>
+                </a:solidFill>
+                <a:latin typeface="+mn-lt"/>
+                <a:ea typeface="+mn-ea"/>
+                <a:cs typeface="+mn-cs"/>
+              </a:defRPr>
+            </a:lvl2pPr>
+            <a:lvl3pPr marL="914400" indent="0" algn="ctr" defTabSz="914400" rtl="0" eaLnBrk="1" latinLnBrk="0" hangingPunct="1">
+              <a:lnSpc>
+                <a:spcPct val="90000"/>
+              </a:lnSpc>
+              <a:spcBef>
+                <a:spcPts val="500"/>
+              </a:spcBef>
+              <a:buFont typeface="Arial" panose="020B0604020202020204" pitchFamily="34" charset="0"/>
+              <a:buNone/>
+              <a:defRPr sz="1800" kern="1200">
+                <a:solidFill>
+                  <a:schemeClr val="tx1"/>
+                </a:solidFill>
+                <a:latin typeface="+mn-lt"/>
+                <a:ea typeface="+mn-ea"/>
+                <a:cs typeface="+mn-cs"/>
+              </a:defRPr>
+            </a:lvl3pPr>
+            <a:lvl4pPr marL="1371600" indent="0" algn="ctr" defTabSz="914400" rtl="0" eaLnBrk="1" latinLnBrk="0" hangingPunct="1">
+              <a:lnSpc>
+                <a:spcPct val="90000"/>
+              </a:lnSpc>
+              <a:spcBef>
+                <a:spcPts val="500"/>
+              </a:spcBef>
+              <a:buFont typeface="Arial" panose="020B0604020202020204" pitchFamily="34" charset="0"/>
+              <a:buNone/>
+              <a:defRPr sz="1600" kern="1200">
+                <a:solidFill>
+                  <a:schemeClr val="tx1"/>
+                </a:solidFill>
+                <a:latin typeface="+mn-lt"/>
+                <a:ea typeface="+mn-ea"/>
+                <a:cs typeface="+mn-cs"/>
+              </a:defRPr>
+            </a:lvl4pPr>
+            <a:lvl5pPr marL="1828800" indent="0" algn="ctr" defTabSz="914400" rtl="0" eaLnBrk="1" latinLnBrk="0" hangingPunct="1">
+              <a:lnSpc>
+                <a:spcPct val="90000"/>
+              </a:lnSpc>
+              <a:spcBef>
+                <a:spcPts val="500"/>
+              </a:spcBef>
+              <a:buFont typeface="Arial" panose="020B0604020202020204" pitchFamily="34" charset="0"/>
+              <a:buNone/>
+              <a:defRPr sz="1600" kern="1200">
+                <a:solidFill>
+                  <a:schemeClr val="tx1"/>
+                </a:solidFill>
+                <a:latin typeface="+mn-lt"/>
+                <a:ea typeface="+mn-ea"/>
+                <a:cs typeface="+mn-cs"/>
+              </a:defRPr>
+            </a:lvl5pPr>
+            <a:lvl6pPr marL="2286000" indent="0" algn="ctr" defTabSz="914400" rtl="0" eaLnBrk="1" latinLnBrk="0" hangingPunct="1">
+              <a:lnSpc>
+                <a:spcPct val="90000"/>
+              </a:lnSpc>
+              <a:spcBef>
+                <a:spcPts val="500"/>
+              </a:spcBef>
+              <a:buFont typeface="Arial" panose="020B0604020202020204" pitchFamily="34" charset="0"/>
+              <a:buNone/>
+              <a:defRPr sz="1600" kern="1200">
+                <a:solidFill>
+                  <a:schemeClr val="tx1"/>
+                </a:solidFill>
+                <a:latin typeface="+mn-lt"/>
+                <a:ea typeface="+mn-ea"/>
+                <a:cs typeface="+mn-cs"/>
+              </a:defRPr>
+            </a:lvl6pPr>
+            <a:lvl7pPr marL="2743200" indent="0" algn="ctr" defTabSz="914400" rtl="0" eaLnBrk="1" latinLnBrk="0" hangingPunct="1">
+              <a:lnSpc>
+                <a:spcPct val="90000"/>
+              </a:lnSpc>
+              <a:spcBef>
+                <a:spcPts val="500"/>
+              </a:spcBef>
+              <a:buFont typeface="Arial" panose="020B0604020202020204" pitchFamily="34" charset="0"/>
+              <a:buNone/>
+              <a:defRPr sz="1600" kern="1200">
+                <a:solidFill>
+                  <a:schemeClr val="tx1"/>
+                </a:solidFill>
+                <a:latin typeface="+mn-lt"/>
+                <a:ea typeface="+mn-ea"/>
+                <a:cs typeface="+mn-cs"/>
+              </a:defRPr>
+            </a:lvl7pPr>
+            <a:lvl8pPr marL="3200400" indent="0" algn="ctr" defTabSz="914400" rtl="0" eaLnBrk="1" latinLnBrk="0" hangingPunct="1">
+              <a:lnSpc>
+                <a:spcPct val="90000"/>
+              </a:lnSpc>
+              <a:spcBef>
+                <a:spcPts val="500"/>
+              </a:spcBef>
+              <a:buFont typeface="Arial" panose="020B0604020202020204" pitchFamily="34" charset="0"/>
+              <a:buNone/>
+              <a:defRPr sz="1600" kern="1200">
+                <a:solidFill>
+                  <a:schemeClr val="tx1"/>
+                </a:solidFill>
+                <a:latin typeface="+mn-lt"/>
+                <a:ea typeface="+mn-ea"/>
+                <a:cs typeface="+mn-cs"/>
+              </a:defRPr>
+            </a:lvl8pPr>
+            <a:lvl9pPr marL="3657600" indent="0" algn="ctr" defTabSz="914400" rtl="0" eaLnBrk="1" latinLnBrk="0" hangingPunct="1">
+              <a:lnSpc>
+                <a:spcPct val="90000"/>
+              </a:lnSpc>
+              <a:spcBef>
+                <a:spcPts val="500"/>
+              </a:spcBef>
+              <a:buFont typeface="Arial" panose="020B0604020202020204" pitchFamily="34" charset="0"/>
+              <a:buNone/>
+              <a:defRPr sz="1600" kern="1200">
+                <a:solidFill>
+                  <a:schemeClr val="tx1"/>
+                </a:solidFill>
+                <a:latin typeface="+mn-lt"/>
+                <a:ea typeface="+mn-ea"/>
+                <a:cs typeface="+mn-cs"/>
+              </a:defRPr>
+            </a:lvl9pPr>
+          </a:lstStyle>
+          <a:p>
+            <a:pPr marL="342900" indent="-342900" algn="l">
+              <a:buFont typeface="Wingdings" panose="05000000000000000000" pitchFamily="2" charset="2"/>
+              <a:buChar char="v"/>
+            </a:pPr>
+            <a:r>
+              <a:rPr lang="en-US" sz="2000" b="1" dirty="0"/>
+              <a:t>CompletableFuture:</a:t>
+            </a:r>
+          </a:p>
+          <a:p>
+            <a:pPr marL="342900" indent="-342900" algn="l">
+              <a:buFont typeface="Wingdings" panose="05000000000000000000" pitchFamily="2" charset="2"/>
+              <a:buChar char="ü"/>
+            </a:pPr>
+            <a:r>
+              <a:rPr lang="en-US" sz="2000" dirty="0"/>
+              <a:t>With CompletableFuture, we get non-blocking execution. It allows you to define what happens when the computation is done through methods like </a:t>
+            </a:r>
+            <a:r>
+              <a:rPr lang="en-US" sz="2000" b="1" dirty="0"/>
+              <a:t>thenApply(), thenAccept(), and thenRun()</a:t>
+            </a:r>
+            <a:r>
+              <a:rPr lang="en-US" sz="2000" dirty="0"/>
+              <a:t>. This makes your application much more responsive, as it doesn't block the main thread while waiting for the result.</a:t>
+            </a:r>
+          </a:p>
+          <a:p>
+            <a:pPr marL="342900" indent="-342900" algn="l">
+              <a:buFont typeface="Wingdings" panose="05000000000000000000" pitchFamily="2" charset="2"/>
+              <a:buChar char="ü"/>
+            </a:pPr>
+            <a:r>
+              <a:rPr lang="en-US" sz="2000" dirty="0"/>
+              <a:t>CompletableFuture offers much more robust exception handling with methods like </a:t>
+            </a:r>
+            <a:r>
+              <a:rPr lang="en-US" sz="2000" b="1" dirty="0"/>
+              <a:t>exceptionally</a:t>
+            </a:r>
+            <a:r>
+              <a:rPr lang="en-US" sz="2000" dirty="0"/>
+              <a:t>() and handle(). These methods allow you to define fallback actions or recovery mechanisms within the same async computation chain, ensuring smoother error management.</a:t>
+            </a:r>
+          </a:p>
+          <a:p>
+            <a:pPr algn="l"/>
+            <a:r>
+              <a:rPr lang="en-US" sz="2000" b="1" dirty="0"/>
+              <a:t>Ex: </a:t>
+            </a:r>
+            <a:r>
+              <a:rPr lang="en-US" sz="1100" dirty="0"/>
+              <a:t>CompletableFuture.supplyAsync(() -&gt; {</a:t>
+            </a:r>
+          </a:p>
+          <a:p>
+            <a:pPr algn="l"/>
+            <a:r>
+              <a:rPr lang="en-US" sz="1100" dirty="0"/>
+              <a:t>    	Thread.sleep(2000);</a:t>
+            </a:r>
+          </a:p>
+          <a:p>
+            <a:pPr algn="l"/>
+            <a:r>
+              <a:rPr lang="en-US" sz="1100" dirty="0"/>
+              <a:t>    	if (new Random().</a:t>
+            </a:r>
+            <a:r>
+              <a:rPr lang="en-US" sz="1100" dirty="0" err="1"/>
+              <a:t>nextBoolean</a:t>
+            </a:r>
+            <a:r>
+              <a:rPr lang="en-US" sz="1100" dirty="0"/>
+              <a:t>()) throw new </a:t>
+            </a:r>
+            <a:r>
+              <a:rPr lang="en-US" sz="1100" dirty="0" err="1"/>
+              <a:t>RuntimeException</a:t>
+            </a:r>
+            <a:r>
+              <a:rPr lang="en-US" sz="1100" dirty="0"/>
+              <a:t>("Oops!");</a:t>
+            </a:r>
+          </a:p>
+          <a:p>
+            <a:pPr algn="l"/>
+            <a:r>
+              <a:rPr lang="en-US" sz="1100" dirty="0"/>
+              <a:t>    	return "Task completed";      </a:t>
+            </a:r>
+          </a:p>
+          <a:p>
+            <a:pPr algn="l"/>
+            <a:r>
+              <a:rPr lang="en-US" sz="1100" dirty="0"/>
+              <a:t>       })</a:t>
+            </a:r>
+          </a:p>
+          <a:p>
+            <a:pPr algn="l"/>
+            <a:r>
+              <a:rPr lang="en-US" sz="1100" dirty="0"/>
+              <a:t>       .exceptionally(ex -&gt; "Error: " + </a:t>
+            </a:r>
+            <a:r>
+              <a:rPr lang="en-US" sz="1100" dirty="0" err="1"/>
+              <a:t>ex.getMessage</a:t>
+            </a:r>
+            <a:r>
+              <a:rPr lang="en-US" sz="1100" dirty="0"/>
+              <a:t>())</a:t>
+            </a:r>
+          </a:p>
+          <a:p>
+            <a:pPr algn="l"/>
+            <a:r>
+              <a:rPr lang="en-US" sz="1100" dirty="0"/>
+              <a:t>       .thenAccept(System.out::println);</a:t>
+            </a:r>
+          </a:p>
+          <a:p>
+            <a:pPr marL="342900" indent="-342900" algn="l">
+              <a:buFont typeface="Wingdings" panose="05000000000000000000" pitchFamily="2" charset="2"/>
+              <a:buChar char="ü"/>
+            </a:pPr>
+            <a:r>
+              <a:rPr lang="en-US" sz="2000" dirty="0"/>
+              <a:t>This is where CompletableFuture excels. It allows you to compose and combine asynchronous tasks easily using methods like </a:t>
+            </a:r>
+            <a:r>
+              <a:rPr lang="en-US" sz="2000" dirty="0" err="1"/>
+              <a:t>thenCompose</a:t>
+            </a:r>
+            <a:r>
+              <a:rPr lang="en-US" sz="2000" dirty="0"/>
+              <a:t>(), </a:t>
+            </a:r>
+            <a:r>
+              <a:rPr lang="en-US" sz="2000" dirty="0" err="1"/>
+              <a:t>thenCombine</a:t>
+            </a:r>
+            <a:r>
+              <a:rPr lang="en-US" sz="2000" dirty="0"/>
+              <a:t>(), or run multiple tasks in parallel with </a:t>
+            </a:r>
+            <a:r>
+              <a:rPr lang="en-US" sz="2000" dirty="0" err="1"/>
+              <a:t>allOf</a:t>
+            </a:r>
+            <a:r>
+              <a:rPr lang="en-US" sz="2000" dirty="0"/>
+              <a:t>(). This makes complex workflows far easier to handle.</a:t>
+            </a:r>
+          </a:p>
+          <a:p>
+            <a:pPr algn="l"/>
+            <a:r>
+              <a:rPr lang="en-US" sz="2000" b="1" dirty="0"/>
+              <a:t>Ex: </a:t>
+            </a:r>
+            <a:r>
+              <a:rPr lang="en-US" sz="1200" dirty="0"/>
+              <a:t>CompletableFuture&lt;String&gt; future1 = CompletableFuture.supplyAsync(() -&gt; "Task 1");</a:t>
+            </a:r>
+          </a:p>
+          <a:p>
+            <a:pPr algn="l"/>
+            <a:r>
+              <a:rPr lang="en-US" sz="1200" dirty="0"/>
+              <a:t>           CompletableFuture&lt;String&gt; future2 = CompletableFuture.supplyAsync(() -&gt; "Task 2");</a:t>
+            </a:r>
+          </a:p>
+          <a:p>
+            <a:pPr algn="l"/>
+            <a:r>
+              <a:rPr lang="en-US" sz="1200" dirty="0"/>
+              <a:t>           future1.thenCombine(future2, (result1, result2) -&gt; result1 + " and " + result2)</a:t>
+            </a:r>
+          </a:p>
+          <a:p>
+            <a:pPr algn="l"/>
+            <a:r>
+              <a:rPr lang="en-US" sz="1200" dirty="0"/>
+              <a:t>           .thenAccept(System.out::println);  // Combines results of both tasks</a:t>
+            </a:r>
+          </a:p>
+        </p:txBody>
+      </p:sp>
+    </p:spTree>
+    <p:extLst>
+      <p:ext uri="{BB962C8B-B14F-4D97-AF65-F5344CB8AC3E}">
+        <p14:creationId xmlns:p14="http://schemas.microsoft.com/office/powerpoint/2010/main" val="2649063576"/>
+      </p:ext>
+    </p:extLst>
+  </p:cSld>
+  <p:clrMapOvr>
+    <a:masterClrMapping/>
+  </p:clrMapOvr>
+</p:sld>
+</file>
+
+<file path=ppt/slides/slide4.xml><?xml version="1.0" encoding="utf-8"?>
+<p:sld xmlns:a="http://schemas.openxmlformats.org/drawingml/2006/main" xmlns:r="http://schemas.openxmlformats.org/officeDocument/2006/relationships" xmlns:p="http://schemas.openxmlformats.org/presentationml/2006/main">
+  <p:cSld>
+    <p:spTree>
+      <p:nvGrpSpPr>
+        <p:cNvPr id="1" name=""/>
+        <p:cNvGrpSpPr/>
+        <p:nvPr/>
+      </p:nvGrpSpPr>
+      <p:grpSpPr>
+        <a:xfrm>
+          <a:off x="0" y="0"/>
+          <a:ext cx="0" cy="0"/>
+          <a:chOff x="0" y="0"/>
+          <a:chExt cx="0" cy="0"/>
+        </a:xfrm>
+      </p:grpSpPr>
+      <p:sp>
+        <p:nvSpPr>
+          <p:cNvPr id="2" name="Content Placeholder 2">
+            <a:extLst>
+              <a:ext uri="{FF2B5EF4-FFF2-40B4-BE49-F238E27FC236}">
+                <a16:creationId xmlns:a16="http://schemas.microsoft.com/office/drawing/2014/main" id="{388E002F-D867-6B8D-7E80-A9567069C884}"/>
+              </a:ext>
+            </a:extLst>
+          </p:cNvPr>
+          <p:cNvSpPr txBox="1">
+            <a:spLocks/>
+          </p:cNvSpPr>
+          <p:nvPr/>
+        </p:nvSpPr>
+        <p:spPr>
+          <a:xfrm>
+            <a:off x="0" y="197136"/>
+            <a:ext cx="12053109" cy="6463728"/>
+          </a:xfrm>
+          <a:prstGeom prst="rect">
+            <a:avLst/>
+          </a:prstGeom>
+        </p:spPr>
+        <p:txBody>
+          <a:bodyPr vert="horz" lIns="91440" tIns="45720" rIns="91440" bIns="45720" rtlCol="0">
             <a:normAutofit/>
           </a:bodyPr>
           <a:lstStyle>
@@ -4528,8 +4986,123 @@
             </a:pPr>
             <a:r>
               <a:rPr lang="en-US" sz="2000" dirty="0"/>
-              <a:t>By leveraging mutual exclusion, we can resolve the synchronization issue. Means we restrict only 1 thread can access critical section of the code.</a:t>
-            </a:r>
+              <a:t>By leveraging mutual-exclusion, we can resolve the synchronization issue. Means we restrict only 1 thread can access critical section of the code.</a:t>
+            </a:r>
+          </a:p>
+          <a:p>
+            <a:pPr algn="l"/>
+            <a:endParaRPr lang="en-US" sz="2000" dirty="0"/>
+          </a:p>
+          <a:p>
+            <a:pPr marL="342900" indent="-342900" algn="l">
+              <a:buFont typeface="Wingdings" panose="05000000000000000000" pitchFamily="2" charset="2"/>
+              <a:buChar char="v"/>
+            </a:pPr>
+            <a:r>
+              <a:rPr lang="en-US" sz="2000" b="1" dirty="0"/>
+              <a:t>Mutex Lock (Mutual-Exclusion):</a:t>
+            </a:r>
+          </a:p>
+          <a:p>
+            <a:pPr marL="342900" indent="-342900" algn="l">
+              <a:buFont typeface="Wingdings" panose="05000000000000000000" pitchFamily="2" charset="2"/>
+              <a:buChar char="ü"/>
+            </a:pPr>
+            <a:r>
+              <a:rPr lang="en-US" sz="2000" dirty="0"/>
+              <a:t>A lock that enables access to the critical section of the code. Meaning, using MU-TEX only one thread can access the critical section of the code.</a:t>
+            </a:r>
+          </a:p>
+          <a:p>
+            <a:pPr marL="285750" indent="-285750" algn="l">
+              <a:buFont typeface="Wingdings" panose="05000000000000000000" pitchFamily="2" charset="2"/>
+              <a:buChar char="§"/>
+            </a:pPr>
+            <a:r>
+              <a:rPr lang="en-US" sz="2000" b="1" dirty="0"/>
+              <a:t>Properties of Lock:</a:t>
+            </a:r>
+          </a:p>
+          <a:p>
+            <a:pPr marL="285750" indent="-285750" algn="l">
+              <a:buFont typeface="Wingdings" panose="05000000000000000000" pitchFamily="2" charset="2"/>
+              <a:buChar char="ü"/>
+            </a:pPr>
+            <a:r>
+              <a:rPr lang="en-US" sz="2000" dirty="0"/>
+              <a:t>Only 1 thread can acquire lock at a time.</a:t>
+            </a:r>
+          </a:p>
+          <a:p>
+            <a:pPr marL="285750" indent="-285750" algn="l">
+              <a:buFont typeface="Wingdings" panose="05000000000000000000" pitchFamily="2" charset="2"/>
+              <a:buChar char="ü"/>
+            </a:pPr>
+            <a:r>
+              <a:rPr lang="en-US" sz="2000" dirty="0"/>
+              <a:t>Once the process the done, lock automatically notifies other threads.</a:t>
+            </a:r>
+          </a:p>
+          <a:p>
+            <a:pPr marL="285750" indent="-285750" algn="l">
+              <a:buFont typeface="Wingdings" panose="05000000000000000000" pitchFamily="2" charset="2"/>
+              <a:buChar char="ü"/>
+            </a:pPr>
+            <a:r>
+              <a:rPr lang="en-US" sz="2000" dirty="0"/>
+              <a:t>No busy waiting (meanwhile the thread can complete other tasks)</a:t>
+            </a:r>
+          </a:p>
+          <a:p>
+            <a:pPr marL="285750" indent="-285750" algn="l">
+              <a:buFont typeface="Wingdings" panose="05000000000000000000" pitchFamily="2" charset="2"/>
+              <a:buChar char="ü"/>
+            </a:pPr>
+            <a:r>
+              <a:rPr lang="en-US" sz="2000" dirty="0"/>
+              <a:t>So that system is progressing.</a:t>
+            </a:r>
+          </a:p>
+          <a:p>
+            <a:pPr marL="285750" indent="-285750" algn="l">
+              <a:buFont typeface="Wingdings" panose="05000000000000000000" pitchFamily="2" charset="2"/>
+              <a:buChar char="Ø"/>
+            </a:pPr>
+            <a:r>
+              <a:rPr lang="en-US" sz="2000" dirty="0"/>
+              <a:t>In Java, this can fix using the ReentrantLock();</a:t>
+            </a:r>
+          </a:p>
+          <a:p>
+            <a:pPr algn="l"/>
+            <a:r>
+              <a:rPr lang="en-US" sz="2000" b="1" dirty="0"/>
+              <a:t>EX: </a:t>
+            </a:r>
+            <a:r>
+              <a:rPr lang="en-US" sz="2000" dirty="0"/>
+              <a:t>Lock lock = new ReentrantLock();</a:t>
+            </a:r>
+          </a:p>
+          <a:p>
+            <a:pPr algn="l"/>
+            <a:r>
+              <a:rPr lang="en-US" sz="2000" b="1" dirty="0"/>
+              <a:t>       </a:t>
+            </a:r>
+            <a:r>
+              <a:rPr lang="en-US" sz="2000" dirty="0"/>
+              <a:t>lock.lock(); &amp; </a:t>
+            </a:r>
+            <a:r>
+              <a:rPr lang="en-US" sz="2000" dirty="0" err="1"/>
+              <a:t>lock.unlock</a:t>
+            </a:r>
+            <a:r>
+              <a:rPr lang="en-US" sz="2000" dirty="0"/>
+              <a:t>();</a:t>
+            </a:r>
+            <a:endParaRPr lang="en-US" sz="1200" b="1" dirty="0"/>
           </a:p>
           <a:p>
             <a:pPr marL="285750" indent="-285750" algn="l">
@@ -4551,6 +5124,1254 @@
     <p:extLst>
       <p:ext uri="{BB962C8B-B14F-4D97-AF65-F5344CB8AC3E}">
         <p14:creationId xmlns:p14="http://schemas.microsoft.com/office/powerpoint/2010/main" val="1280437568"/>
+      </p:ext>
+    </p:extLst>
+  </p:cSld>
+  <p:clrMapOvr>
+    <a:masterClrMapping/>
+  </p:clrMapOvr>
+</p:sld>
+</file>
+
+<file path=ppt/slides/slide5.xml><?xml version="1.0" encoding="utf-8"?>
+<p:sld xmlns:a="http://schemas.openxmlformats.org/drawingml/2006/main" xmlns:r="http://schemas.openxmlformats.org/officeDocument/2006/relationships" xmlns:p="http://schemas.openxmlformats.org/presentationml/2006/main">
+  <p:cSld>
+    <p:spTree>
+      <p:nvGrpSpPr>
+        <p:cNvPr id="1" name=""/>
+        <p:cNvGrpSpPr/>
+        <p:nvPr/>
+      </p:nvGrpSpPr>
+      <p:grpSpPr>
+        <a:xfrm>
+          <a:off x="0" y="0"/>
+          <a:ext cx="0" cy="0"/>
+          <a:chOff x="0" y="0"/>
+          <a:chExt cx="0" cy="0"/>
+        </a:xfrm>
+      </p:grpSpPr>
+      <p:sp>
+        <p:nvSpPr>
+          <p:cNvPr id="4" name="Content Placeholder 2">
+            <a:extLst>
+              <a:ext uri="{FF2B5EF4-FFF2-40B4-BE49-F238E27FC236}">
+                <a16:creationId xmlns:a16="http://schemas.microsoft.com/office/drawing/2014/main" id="{E63F3392-1C51-F918-A950-EF3988D63684}"/>
+              </a:ext>
+            </a:extLst>
+          </p:cNvPr>
+          <p:cNvSpPr txBox="1">
+            <a:spLocks/>
+          </p:cNvSpPr>
+          <p:nvPr/>
+        </p:nvSpPr>
+        <p:spPr>
+          <a:xfrm>
+            <a:off x="0" y="197136"/>
+            <a:ext cx="12053109" cy="6463728"/>
+          </a:xfrm>
+          <a:prstGeom prst="rect">
+            <a:avLst/>
+          </a:prstGeom>
+        </p:spPr>
+        <p:txBody>
+          <a:bodyPr vert="horz" lIns="91440" tIns="45720" rIns="91440" bIns="45720" rtlCol="0">
+            <a:normAutofit/>
+          </a:bodyPr>
+          <a:lstStyle>
+            <a:lvl1pPr marL="0" indent="0" algn="ctr" defTabSz="914400" rtl="0" eaLnBrk="1" latinLnBrk="0" hangingPunct="1">
+              <a:lnSpc>
+                <a:spcPct val="90000"/>
+              </a:lnSpc>
+              <a:spcBef>
+                <a:spcPts val="1000"/>
+              </a:spcBef>
+              <a:buFont typeface="Arial" panose="020B0604020202020204" pitchFamily="34" charset="0"/>
+              <a:buNone/>
+              <a:defRPr sz="2400" kern="1200">
+                <a:solidFill>
+                  <a:schemeClr val="tx1"/>
+                </a:solidFill>
+                <a:latin typeface="+mn-lt"/>
+                <a:ea typeface="+mn-ea"/>
+                <a:cs typeface="+mn-cs"/>
+              </a:defRPr>
+            </a:lvl1pPr>
+            <a:lvl2pPr marL="457200" indent="0" algn="ctr" defTabSz="914400" rtl="0" eaLnBrk="1" latinLnBrk="0" hangingPunct="1">
+              <a:lnSpc>
+                <a:spcPct val="90000"/>
+              </a:lnSpc>
+              <a:spcBef>
+                <a:spcPts val="500"/>
+              </a:spcBef>
+              <a:buFont typeface="Arial" panose="020B0604020202020204" pitchFamily="34" charset="0"/>
+              <a:buNone/>
+              <a:defRPr sz="2000" kern="1200">
+                <a:solidFill>
+                  <a:schemeClr val="tx1"/>
+                </a:solidFill>
+                <a:latin typeface="+mn-lt"/>
+                <a:ea typeface="+mn-ea"/>
+                <a:cs typeface="+mn-cs"/>
+              </a:defRPr>
+            </a:lvl2pPr>
+            <a:lvl3pPr marL="914400" indent="0" algn="ctr" defTabSz="914400" rtl="0" eaLnBrk="1" latinLnBrk="0" hangingPunct="1">
+              <a:lnSpc>
+                <a:spcPct val="90000"/>
+              </a:lnSpc>
+              <a:spcBef>
+                <a:spcPts val="500"/>
+              </a:spcBef>
+              <a:buFont typeface="Arial" panose="020B0604020202020204" pitchFamily="34" charset="0"/>
+              <a:buNone/>
+              <a:defRPr sz="1800" kern="1200">
+                <a:solidFill>
+                  <a:schemeClr val="tx1"/>
+                </a:solidFill>
+                <a:latin typeface="+mn-lt"/>
+                <a:ea typeface="+mn-ea"/>
+                <a:cs typeface="+mn-cs"/>
+              </a:defRPr>
+            </a:lvl3pPr>
+            <a:lvl4pPr marL="1371600" indent="0" algn="ctr" defTabSz="914400" rtl="0" eaLnBrk="1" latinLnBrk="0" hangingPunct="1">
+              <a:lnSpc>
+                <a:spcPct val="90000"/>
+              </a:lnSpc>
+              <a:spcBef>
+                <a:spcPts val="500"/>
+              </a:spcBef>
+              <a:buFont typeface="Arial" panose="020B0604020202020204" pitchFamily="34" charset="0"/>
+              <a:buNone/>
+              <a:defRPr sz="1600" kern="1200">
+                <a:solidFill>
+                  <a:schemeClr val="tx1"/>
+                </a:solidFill>
+                <a:latin typeface="+mn-lt"/>
+                <a:ea typeface="+mn-ea"/>
+                <a:cs typeface="+mn-cs"/>
+              </a:defRPr>
+            </a:lvl4pPr>
+            <a:lvl5pPr marL="1828800" indent="0" algn="ctr" defTabSz="914400" rtl="0" eaLnBrk="1" latinLnBrk="0" hangingPunct="1">
+              <a:lnSpc>
+                <a:spcPct val="90000"/>
+              </a:lnSpc>
+              <a:spcBef>
+                <a:spcPts val="500"/>
+              </a:spcBef>
+              <a:buFont typeface="Arial" panose="020B0604020202020204" pitchFamily="34" charset="0"/>
+              <a:buNone/>
+              <a:defRPr sz="1600" kern="1200">
+                <a:solidFill>
+                  <a:schemeClr val="tx1"/>
+                </a:solidFill>
+                <a:latin typeface="+mn-lt"/>
+                <a:ea typeface="+mn-ea"/>
+                <a:cs typeface="+mn-cs"/>
+              </a:defRPr>
+            </a:lvl5pPr>
+            <a:lvl6pPr marL="2286000" indent="0" algn="ctr" defTabSz="914400" rtl="0" eaLnBrk="1" latinLnBrk="0" hangingPunct="1">
+              <a:lnSpc>
+                <a:spcPct val="90000"/>
+              </a:lnSpc>
+              <a:spcBef>
+                <a:spcPts val="500"/>
+              </a:spcBef>
+              <a:buFont typeface="Arial" panose="020B0604020202020204" pitchFamily="34" charset="0"/>
+              <a:buNone/>
+              <a:defRPr sz="1600" kern="1200">
+                <a:solidFill>
+                  <a:schemeClr val="tx1"/>
+                </a:solidFill>
+                <a:latin typeface="+mn-lt"/>
+                <a:ea typeface="+mn-ea"/>
+                <a:cs typeface="+mn-cs"/>
+              </a:defRPr>
+            </a:lvl6pPr>
+            <a:lvl7pPr marL="2743200" indent="0" algn="ctr" defTabSz="914400" rtl="0" eaLnBrk="1" latinLnBrk="0" hangingPunct="1">
+              <a:lnSpc>
+                <a:spcPct val="90000"/>
+              </a:lnSpc>
+              <a:spcBef>
+                <a:spcPts val="500"/>
+              </a:spcBef>
+              <a:buFont typeface="Arial" panose="020B0604020202020204" pitchFamily="34" charset="0"/>
+              <a:buNone/>
+              <a:defRPr sz="1600" kern="1200">
+                <a:solidFill>
+                  <a:schemeClr val="tx1"/>
+                </a:solidFill>
+                <a:latin typeface="+mn-lt"/>
+                <a:ea typeface="+mn-ea"/>
+                <a:cs typeface="+mn-cs"/>
+              </a:defRPr>
+            </a:lvl7pPr>
+            <a:lvl8pPr marL="3200400" indent="0" algn="ctr" defTabSz="914400" rtl="0" eaLnBrk="1" latinLnBrk="0" hangingPunct="1">
+              <a:lnSpc>
+                <a:spcPct val="90000"/>
+              </a:lnSpc>
+              <a:spcBef>
+                <a:spcPts val="500"/>
+              </a:spcBef>
+              <a:buFont typeface="Arial" panose="020B0604020202020204" pitchFamily="34" charset="0"/>
+              <a:buNone/>
+              <a:defRPr sz="1600" kern="1200">
+                <a:solidFill>
+                  <a:schemeClr val="tx1"/>
+                </a:solidFill>
+                <a:latin typeface="+mn-lt"/>
+                <a:ea typeface="+mn-ea"/>
+                <a:cs typeface="+mn-cs"/>
+              </a:defRPr>
+            </a:lvl8pPr>
+            <a:lvl9pPr marL="3657600" indent="0" algn="ctr" defTabSz="914400" rtl="0" eaLnBrk="1" latinLnBrk="0" hangingPunct="1">
+              <a:lnSpc>
+                <a:spcPct val="90000"/>
+              </a:lnSpc>
+              <a:spcBef>
+                <a:spcPts val="500"/>
+              </a:spcBef>
+              <a:buFont typeface="Arial" panose="020B0604020202020204" pitchFamily="34" charset="0"/>
+              <a:buNone/>
+              <a:defRPr sz="1600" kern="1200">
+                <a:solidFill>
+                  <a:schemeClr val="tx1"/>
+                </a:solidFill>
+                <a:latin typeface="+mn-lt"/>
+                <a:ea typeface="+mn-ea"/>
+                <a:cs typeface="+mn-cs"/>
+              </a:defRPr>
+            </a:lvl9pPr>
+          </a:lstStyle>
+          <a:p>
+            <a:pPr marL="342900" indent="-342900" algn="l">
+              <a:buFont typeface="Wingdings" panose="05000000000000000000" pitchFamily="2" charset="2"/>
+              <a:buChar char="v"/>
+            </a:pPr>
+            <a:r>
+              <a:rPr lang="en-US" sz="2000" b="1" dirty="0"/>
+              <a:t>synchronized Keyword:</a:t>
+            </a:r>
+          </a:p>
+          <a:p>
+            <a:pPr marL="342900" indent="-342900" algn="l">
+              <a:buFont typeface="Wingdings" panose="05000000000000000000" pitchFamily="2" charset="2"/>
+              <a:buChar char="ü"/>
+            </a:pPr>
+            <a:r>
+              <a:rPr lang="en-US" sz="2000" dirty="0"/>
+              <a:t>In Java, there is an implicit lock on every object.</a:t>
+            </a:r>
+          </a:p>
+          <a:p>
+            <a:pPr marL="342900" indent="-342900" algn="l">
+              <a:buFont typeface="Wingdings" panose="05000000000000000000" pitchFamily="2" charset="2"/>
+              <a:buChar char="ü"/>
+            </a:pPr>
+            <a:r>
+              <a:rPr lang="en-US" sz="2000" dirty="0"/>
+              <a:t>We can fix the synchronization issue without passing lock object. Instead, we an apply </a:t>
+            </a:r>
+            <a:r>
+              <a:rPr lang="en-US" sz="2000" b="1" dirty="0"/>
+              <a:t>synchronized </a:t>
+            </a:r>
+            <a:r>
+              <a:rPr lang="en-US" sz="2000" dirty="0"/>
+              <a:t>keyword for the critical section of the code. This will internally perform those explicit lock() and unlock() operations.</a:t>
+            </a:r>
+          </a:p>
+          <a:p>
+            <a:pPr marL="342900" indent="-342900" algn="l">
+              <a:buFont typeface="Wingdings" panose="05000000000000000000" pitchFamily="2" charset="2"/>
+              <a:buChar char="ü"/>
+            </a:pPr>
+            <a:r>
+              <a:rPr lang="en-US" sz="2000" dirty="0"/>
+              <a:t> synchronized keyword can apply on the method level as well, meaning only one thread can enter into the method.</a:t>
+            </a:r>
+          </a:p>
+          <a:p>
+            <a:pPr algn="l"/>
+            <a:r>
+              <a:rPr lang="en-US" sz="2000" b="1" dirty="0"/>
+              <a:t>Ex: </a:t>
+            </a:r>
+            <a:r>
+              <a:rPr lang="en-US" sz="2000" dirty="0"/>
+              <a:t>synchronized (object){</a:t>
+            </a:r>
+          </a:p>
+          <a:p>
+            <a:pPr algn="l"/>
+            <a:r>
+              <a:rPr lang="en-US" sz="2000" b="1" dirty="0"/>
+              <a:t>	</a:t>
+            </a:r>
+            <a:r>
+              <a:rPr lang="en-US" sz="2000" dirty="0"/>
+              <a:t>// Critical task on object</a:t>
+            </a:r>
+          </a:p>
+          <a:p>
+            <a:pPr algn="l"/>
+            <a:r>
+              <a:rPr lang="en-US" sz="2000" b="1" dirty="0"/>
+              <a:t>       </a:t>
+            </a:r>
+            <a:r>
+              <a:rPr lang="en-US" sz="2000" dirty="0"/>
+              <a:t>}</a:t>
+            </a:r>
+          </a:p>
+          <a:p>
+            <a:pPr algn="l"/>
+            <a:r>
+              <a:rPr lang="en-US" sz="2000" b="1" dirty="0"/>
+              <a:t>Ex: </a:t>
+            </a:r>
+            <a:r>
+              <a:rPr lang="en-US" sz="2000" dirty="0"/>
+              <a:t>public synchronized method(Object object){</a:t>
+            </a:r>
+          </a:p>
+          <a:p>
+            <a:pPr algn="l"/>
+            <a:r>
+              <a:rPr lang="en-US" sz="2000" b="1" dirty="0"/>
+              <a:t>	</a:t>
+            </a:r>
+            <a:r>
+              <a:rPr lang="en-US" sz="2000" dirty="0"/>
+              <a:t>// Business logic</a:t>
+            </a:r>
+          </a:p>
+          <a:p>
+            <a:pPr algn="l"/>
+            <a:r>
+              <a:rPr lang="en-US" sz="2000" b="1" dirty="0"/>
+              <a:t>	</a:t>
+            </a:r>
+            <a:r>
+              <a:rPr lang="en-US" sz="2000" dirty="0"/>
+              <a:t>// Critical task on object</a:t>
+            </a:r>
+          </a:p>
+          <a:p>
+            <a:pPr algn="l"/>
+            <a:r>
+              <a:rPr lang="en-US" sz="2000" b="1" dirty="0"/>
+              <a:t>	</a:t>
+            </a:r>
+            <a:r>
+              <a:rPr lang="en-US" sz="2000" dirty="0"/>
+              <a:t>// Business logic</a:t>
+            </a:r>
+            <a:endParaRPr lang="en-US" sz="2000" b="1" dirty="0"/>
+          </a:p>
+          <a:p>
+            <a:pPr algn="l"/>
+            <a:r>
+              <a:rPr lang="en-US" sz="2000" b="1" dirty="0"/>
+              <a:t>       </a:t>
+            </a:r>
+            <a:r>
+              <a:rPr lang="en-US" sz="2000" dirty="0"/>
+              <a:t>}</a:t>
+            </a:r>
+          </a:p>
+        </p:txBody>
+      </p:sp>
+    </p:spTree>
+    <p:extLst>
+      <p:ext uri="{BB962C8B-B14F-4D97-AF65-F5344CB8AC3E}">
+        <p14:creationId xmlns:p14="http://schemas.microsoft.com/office/powerpoint/2010/main" val="1557314158"/>
+      </p:ext>
+    </p:extLst>
+  </p:cSld>
+  <p:clrMapOvr>
+    <a:masterClrMapping/>
+  </p:clrMapOvr>
+</p:sld>
+</file>
+
+<file path=ppt/slides/slide6.xml><?xml version="1.0" encoding="utf-8"?>
+<p:sld xmlns:a="http://schemas.openxmlformats.org/drawingml/2006/main" xmlns:r="http://schemas.openxmlformats.org/officeDocument/2006/relationships" xmlns:p="http://schemas.openxmlformats.org/presentationml/2006/main">
+  <p:cSld>
+    <p:spTree>
+      <p:nvGrpSpPr>
+        <p:cNvPr id="1" name=""/>
+        <p:cNvGrpSpPr/>
+        <p:nvPr/>
+      </p:nvGrpSpPr>
+      <p:grpSpPr>
+        <a:xfrm>
+          <a:off x="0" y="0"/>
+          <a:ext cx="0" cy="0"/>
+          <a:chOff x="0" y="0"/>
+          <a:chExt cx="0" cy="0"/>
+        </a:xfrm>
+      </p:grpSpPr>
+      <p:sp>
+        <p:nvSpPr>
+          <p:cNvPr id="2" name="Content Placeholder 2">
+            <a:extLst>
+              <a:ext uri="{FF2B5EF4-FFF2-40B4-BE49-F238E27FC236}">
+                <a16:creationId xmlns:a16="http://schemas.microsoft.com/office/drawing/2014/main" id="{E59A2BE2-1A18-C67D-372A-21CEB6B44CBF}"/>
+              </a:ext>
+            </a:extLst>
+          </p:cNvPr>
+          <p:cNvSpPr txBox="1">
+            <a:spLocks/>
+          </p:cNvSpPr>
+          <p:nvPr/>
+        </p:nvSpPr>
+        <p:spPr>
+          <a:xfrm>
+            <a:off x="0" y="197136"/>
+            <a:ext cx="12053109" cy="6463728"/>
+          </a:xfrm>
+          <a:prstGeom prst="rect">
+            <a:avLst/>
+          </a:prstGeom>
+        </p:spPr>
+        <p:txBody>
+          <a:bodyPr vert="horz" lIns="91440" tIns="45720" rIns="91440" bIns="45720" rtlCol="0">
+            <a:normAutofit lnSpcReduction="10000"/>
+          </a:bodyPr>
+          <a:lstStyle>
+            <a:lvl1pPr marL="0" indent="0" algn="ctr" defTabSz="914400" rtl="0" eaLnBrk="1" latinLnBrk="0" hangingPunct="1">
+              <a:lnSpc>
+                <a:spcPct val="90000"/>
+              </a:lnSpc>
+              <a:spcBef>
+                <a:spcPts val="1000"/>
+              </a:spcBef>
+              <a:buFont typeface="Arial" panose="020B0604020202020204" pitchFamily="34" charset="0"/>
+              <a:buNone/>
+              <a:defRPr sz="2400" kern="1200">
+                <a:solidFill>
+                  <a:schemeClr val="tx1"/>
+                </a:solidFill>
+                <a:latin typeface="+mn-lt"/>
+                <a:ea typeface="+mn-ea"/>
+                <a:cs typeface="+mn-cs"/>
+              </a:defRPr>
+            </a:lvl1pPr>
+            <a:lvl2pPr marL="457200" indent="0" algn="ctr" defTabSz="914400" rtl="0" eaLnBrk="1" latinLnBrk="0" hangingPunct="1">
+              <a:lnSpc>
+                <a:spcPct val="90000"/>
+              </a:lnSpc>
+              <a:spcBef>
+                <a:spcPts val="500"/>
+              </a:spcBef>
+              <a:buFont typeface="Arial" panose="020B0604020202020204" pitchFamily="34" charset="0"/>
+              <a:buNone/>
+              <a:defRPr sz="2000" kern="1200">
+                <a:solidFill>
+                  <a:schemeClr val="tx1"/>
+                </a:solidFill>
+                <a:latin typeface="+mn-lt"/>
+                <a:ea typeface="+mn-ea"/>
+                <a:cs typeface="+mn-cs"/>
+              </a:defRPr>
+            </a:lvl2pPr>
+            <a:lvl3pPr marL="914400" indent="0" algn="ctr" defTabSz="914400" rtl="0" eaLnBrk="1" latinLnBrk="0" hangingPunct="1">
+              <a:lnSpc>
+                <a:spcPct val="90000"/>
+              </a:lnSpc>
+              <a:spcBef>
+                <a:spcPts val="500"/>
+              </a:spcBef>
+              <a:buFont typeface="Arial" panose="020B0604020202020204" pitchFamily="34" charset="0"/>
+              <a:buNone/>
+              <a:defRPr sz="1800" kern="1200">
+                <a:solidFill>
+                  <a:schemeClr val="tx1"/>
+                </a:solidFill>
+                <a:latin typeface="+mn-lt"/>
+                <a:ea typeface="+mn-ea"/>
+                <a:cs typeface="+mn-cs"/>
+              </a:defRPr>
+            </a:lvl3pPr>
+            <a:lvl4pPr marL="1371600" indent="0" algn="ctr" defTabSz="914400" rtl="0" eaLnBrk="1" latinLnBrk="0" hangingPunct="1">
+              <a:lnSpc>
+                <a:spcPct val="90000"/>
+              </a:lnSpc>
+              <a:spcBef>
+                <a:spcPts val="500"/>
+              </a:spcBef>
+              <a:buFont typeface="Arial" panose="020B0604020202020204" pitchFamily="34" charset="0"/>
+              <a:buNone/>
+              <a:defRPr sz="1600" kern="1200">
+                <a:solidFill>
+                  <a:schemeClr val="tx1"/>
+                </a:solidFill>
+                <a:latin typeface="+mn-lt"/>
+                <a:ea typeface="+mn-ea"/>
+                <a:cs typeface="+mn-cs"/>
+              </a:defRPr>
+            </a:lvl4pPr>
+            <a:lvl5pPr marL="1828800" indent="0" algn="ctr" defTabSz="914400" rtl="0" eaLnBrk="1" latinLnBrk="0" hangingPunct="1">
+              <a:lnSpc>
+                <a:spcPct val="90000"/>
+              </a:lnSpc>
+              <a:spcBef>
+                <a:spcPts val="500"/>
+              </a:spcBef>
+              <a:buFont typeface="Arial" panose="020B0604020202020204" pitchFamily="34" charset="0"/>
+              <a:buNone/>
+              <a:defRPr sz="1600" kern="1200">
+                <a:solidFill>
+                  <a:schemeClr val="tx1"/>
+                </a:solidFill>
+                <a:latin typeface="+mn-lt"/>
+                <a:ea typeface="+mn-ea"/>
+                <a:cs typeface="+mn-cs"/>
+              </a:defRPr>
+            </a:lvl5pPr>
+            <a:lvl6pPr marL="2286000" indent="0" algn="ctr" defTabSz="914400" rtl="0" eaLnBrk="1" latinLnBrk="0" hangingPunct="1">
+              <a:lnSpc>
+                <a:spcPct val="90000"/>
+              </a:lnSpc>
+              <a:spcBef>
+                <a:spcPts val="500"/>
+              </a:spcBef>
+              <a:buFont typeface="Arial" panose="020B0604020202020204" pitchFamily="34" charset="0"/>
+              <a:buNone/>
+              <a:defRPr sz="1600" kern="1200">
+                <a:solidFill>
+                  <a:schemeClr val="tx1"/>
+                </a:solidFill>
+                <a:latin typeface="+mn-lt"/>
+                <a:ea typeface="+mn-ea"/>
+                <a:cs typeface="+mn-cs"/>
+              </a:defRPr>
+            </a:lvl6pPr>
+            <a:lvl7pPr marL="2743200" indent="0" algn="ctr" defTabSz="914400" rtl="0" eaLnBrk="1" latinLnBrk="0" hangingPunct="1">
+              <a:lnSpc>
+                <a:spcPct val="90000"/>
+              </a:lnSpc>
+              <a:spcBef>
+                <a:spcPts val="500"/>
+              </a:spcBef>
+              <a:buFont typeface="Arial" panose="020B0604020202020204" pitchFamily="34" charset="0"/>
+              <a:buNone/>
+              <a:defRPr sz="1600" kern="1200">
+                <a:solidFill>
+                  <a:schemeClr val="tx1"/>
+                </a:solidFill>
+                <a:latin typeface="+mn-lt"/>
+                <a:ea typeface="+mn-ea"/>
+                <a:cs typeface="+mn-cs"/>
+              </a:defRPr>
+            </a:lvl7pPr>
+            <a:lvl8pPr marL="3200400" indent="0" algn="ctr" defTabSz="914400" rtl="0" eaLnBrk="1" latinLnBrk="0" hangingPunct="1">
+              <a:lnSpc>
+                <a:spcPct val="90000"/>
+              </a:lnSpc>
+              <a:spcBef>
+                <a:spcPts val="500"/>
+              </a:spcBef>
+              <a:buFont typeface="Arial" panose="020B0604020202020204" pitchFamily="34" charset="0"/>
+              <a:buNone/>
+              <a:defRPr sz="1600" kern="1200">
+                <a:solidFill>
+                  <a:schemeClr val="tx1"/>
+                </a:solidFill>
+                <a:latin typeface="+mn-lt"/>
+                <a:ea typeface="+mn-ea"/>
+                <a:cs typeface="+mn-cs"/>
+              </a:defRPr>
+            </a:lvl8pPr>
+            <a:lvl9pPr marL="3657600" indent="0" algn="ctr" defTabSz="914400" rtl="0" eaLnBrk="1" latinLnBrk="0" hangingPunct="1">
+              <a:lnSpc>
+                <a:spcPct val="90000"/>
+              </a:lnSpc>
+              <a:spcBef>
+                <a:spcPts val="500"/>
+              </a:spcBef>
+              <a:buFont typeface="Arial" panose="020B0604020202020204" pitchFamily="34" charset="0"/>
+              <a:buNone/>
+              <a:defRPr sz="1600" kern="1200">
+                <a:solidFill>
+                  <a:schemeClr val="tx1"/>
+                </a:solidFill>
+                <a:latin typeface="+mn-lt"/>
+                <a:ea typeface="+mn-ea"/>
+                <a:cs typeface="+mn-cs"/>
+              </a:defRPr>
+            </a:lvl9pPr>
+          </a:lstStyle>
+          <a:p>
+            <a:pPr marL="342900" indent="-342900" algn="l">
+              <a:buFont typeface="Wingdings" panose="05000000000000000000" pitchFamily="2" charset="2"/>
+              <a:buChar char="v"/>
+            </a:pPr>
+            <a:r>
+              <a:rPr lang="en-US" sz="2000" b="1" dirty="0"/>
+              <a:t>Semaphores:</a:t>
+            </a:r>
+          </a:p>
+          <a:p>
+            <a:pPr marL="342900" indent="-342900" algn="l">
+              <a:buFont typeface="Wingdings" panose="05000000000000000000" pitchFamily="2" charset="2"/>
+              <a:buChar char="ü"/>
+            </a:pPr>
+            <a:r>
+              <a:rPr lang="en-US" sz="2000" dirty="0"/>
+              <a:t>Till now we have seen only 1 thread can enter into the critical section of the code using locks(synchronized).</a:t>
+            </a:r>
+          </a:p>
+          <a:p>
+            <a:pPr algn="l"/>
+            <a:r>
+              <a:rPr lang="en-US" sz="2000" b="1" dirty="0"/>
+              <a:t>Ex: </a:t>
+            </a:r>
+            <a:r>
+              <a:rPr lang="en-US" sz="2000" dirty="0"/>
+              <a:t>Producer-Consumer problem</a:t>
+            </a:r>
+          </a:p>
+          <a:p>
+            <a:pPr marL="342900" indent="-342900" algn="l">
+              <a:buFont typeface="Wingdings" panose="05000000000000000000" pitchFamily="2" charset="2"/>
+              <a:buChar char="Ø"/>
+            </a:pPr>
+            <a:r>
+              <a:rPr lang="en-US" sz="2000" dirty="0"/>
+              <a:t>Allow producers if there is at least 1 vacant spot available</a:t>
+            </a:r>
+          </a:p>
+          <a:p>
+            <a:pPr marL="342900" indent="-342900" algn="l">
+              <a:buFont typeface="Wingdings" panose="05000000000000000000" pitchFamily="2" charset="2"/>
+              <a:buChar char="Ø"/>
+            </a:pPr>
+            <a:r>
+              <a:rPr lang="en-US" sz="2000" dirty="0"/>
+              <a:t>Allow consumers if there is at least 1 filled spot available</a:t>
+            </a:r>
+          </a:p>
+          <a:p>
+            <a:pPr marL="342900" indent="-342900" algn="l">
+              <a:buFont typeface="Wingdings" panose="05000000000000000000" pitchFamily="2" charset="2"/>
+              <a:buChar char="ü"/>
+            </a:pPr>
+            <a:r>
+              <a:rPr lang="en-US" sz="2000" dirty="0"/>
+              <a:t>Let’s say in a producer-consumer problem we implemented locks at critical section of the code using synchronized keyword. So that only 1 thread can either produce/consume without exceeding the max size.</a:t>
+            </a:r>
+          </a:p>
+          <a:p>
+            <a:pPr marL="342900" indent="-342900" algn="l">
+              <a:buFont typeface="Wingdings" panose="05000000000000000000" pitchFamily="2" charset="2"/>
+              <a:buChar char="ü"/>
+            </a:pPr>
+            <a:r>
+              <a:rPr lang="en-US" sz="2000" dirty="0"/>
+              <a:t>Here the problem is, if the producer/consumer have more than one spots to add/remove the objects then threads can’t perform these actions concurrently, as critical section of the code is locked.</a:t>
+            </a:r>
+          </a:p>
+          <a:p>
+            <a:pPr marL="342900" indent="-342900" algn="l">
+              <a:buFont typeface="Wingdings" panose="05000000000000000000" pitchFamily="2" charset="2"/>
+              <a:buChar char="ü"/>
+            </a:pPr>
+            <a:r>
+              <a:rPr lang="en-US" sz="2000" dirty="0"/>
+              <a:t>Using Semaphores, we can resolve the above issue.</a:t>
+            </a:r>
+          </a:p>
+          <a:p>
+            <a:pPr algn="l"/>
+            <a:r>
+              <a:rPr lang="en-US" sz="2000" dirty="0"/>
+              <a:t>Ex: Semaphores semaphore = new Semaphores(2);</a:t>
+            </a:r>
+          </a:p>
+          <a:p>
+            <a:pPr algn="l"/>
+            <a:r>
+              <a:rPr lang="en-US" sz="2000" dirty="0"/>
+              <a:t>      {</a:t>
+            </a:r>
+          </a:p>
+          <a:p>
+            <a:pPr algn="l"/>
+            <a:r>
+              <a:rPr lang="en-US" sz="2000" dirty="0"/>
+              <a:t>	</a:t>
+            </a:r>
+            <a:r>
+              <a:rPr lang="en-US" sz="2000" dirty="0" err="1"/>
+              <a:t>semaphore.acquire</a:t>
+            </a:r>
+            <a:r>
+              <a:rPr lang="en-US" sz="2000" dirty="0"/>
+              <a:t>();</a:t>
+            </a:r>
+          </a:p>
+          <a:p>
+            <a:pPr algn="l"/>
+            <a:r>
+              <a:rPr lang="en-US" sz="2000" dirty="0"/>
+              <a:t>	// Critical Section</a:t>
+            </a:r>
+          </a:p>
+          <a:p>
+            <a:pPr algn="l"/>
+            <a:r>
+              <a:rPr lang="en-US" sz="2000" dirty="0"/>
+              <a:t>	</a:t>
+            </a:r>
+            <a:r>
+              <a:rPr lang="en-US" sz="2000" dirty="0" err="1"/>
+              <a:t>semaphore.release</a:t>
+            </a:r>
+            <a:r>
+              <a:rPr lang="en-US" sz="2000" dirty="0"/>
+              <a:t>();</a:t>
+            </a:r>
+          </a:p>
+          <a:p>
+            <a:pPr algn="l"/>
+            <a:r>
+              <a:rPr lang="en-US" sz="2000" dirty="0"/>
+              <a:t>      }</a:t>
+            </a:r>
+          </a:p>
+          <a:p>
+            <a:pPr marL="342900" indent="-342900" algn="l">
+              <a:buFont typeface="Wingdings" panose="05000000000000000000" pitchFamily="2" charset="2"/>
+              <a:buChar char="Ø"/>
+            </a:pPr>
+            <a:r>
+              <a:rPr lang="en-US" sz="2000" dirty="0"/>
+              <a:t>Meaning, 2 threads can acquire the lock at the same time. And using semaphores we can release a lock even if the thread didn’t acquire.</a:t>
+            </a:r>
+          </a:p>
+        </p:txBody>
+      </p:sp>
+    </p:spTree>
+    <p:extLst>
+      <p:ext uri="{BB962C8B-B14F-4D97-AF65-F5344CB8AC3E}">
+        <p14:creationId xmlns:p14="http://schemas.microsoft.com/office/powerpoint/2010/main" val="1147976407"/>
+      </p:ext>
+    </p:extLst>
+  </p:cSld>
+  <p:clrMapOvr>
+    <a:masterClrMapping/>
+  </p:clrMapOvr>
+</p:sld>
+</file>
+
+<file path=ppt/slides/slide7.xml><?xml version="1.0" encoding="utf-8"?>
+<p:sld xmlns:a="http://schemas.openxmlformats.org/drawingml/2006/main" xmlns:r="http://schemas.openxmlformats.org/officeDocument/2006/relationships" xmlns:p="http://schemas.openxmlformats.org/presentationml/2006/main">
+  <p:cSld>
+    <p:spTree>
+      <p:nvGrpSpPr>
+        <p:cNvPr id="1" name=""/>
+        <p:cNvGrpSpPr/>
+        <p:nvPr/>
+      </p:nvGrpSpPr>
+      <p:grpSpPr>
+        <a:xfrm>
+          <a:off x="0" y="0"/>
+          <a:ext cx="0" cy="0"/>
+          <a:chOff x="0" y="0"/>
+          <a:chExt cx="0" cy="0"/>
+        </a:xfrm>
+      </p:grpSpPr>
+      <p:sp>
+        <p:nvSpPr>
+          <p:cNvPr id="2" name="Content Placeholder 2">
+            <a:extLst>
+              <a:ext uri="{FF2B5EF4-FFF2-40B4-BE49-F238E27FC236}">
+                <a16:creationId xmlns:a16="http://schemas.microsoft.com/office/drawing/2014/main" id="{EB7187DF-89AF-76CE-2951-766F010CCC04}"/>
+              </a:ext>
+            </a:extLst>
+          </p:cNvPr>
+          <p:cNvSpPr txBox="1">
+            <a:spLocks/>
+          </p:cNvSpPr>
+          <p:nvPr/>
+        </p:nvSpPr>
+        <p:spPr>
+          <a:xfrm>
+            <a:off x="0" y="197136"/>
+            <a:ext cx="12053109" cy="6463728"/>
+          </a:xfrm>
+          <a:prstGeom prst="rect">
+            <a:avLst/>
+          </a:prstGeom>
+        </p:spPr>
+        <p:txBody>
+          <a:bodyPr vert="horz" lIns="91440" tIns="45720" rIns="91440" bIns="45720" rtlCol="0">
+            <a:normAutofit/>
+          </a:bodyPr>
+          <a:lstStyle>
+            <a:lvl1pPr marL="0" indent="0" algn="ctr" defTabSz="914400" rtl="0" eaLnBrk="1" latinLnBrk="0" hangingPunct="1">
+              <a:lnSpc>
+                <a:spcPct val="90000"/>
+              </a:lnSpc>
+              <a:spcBef>
+                <a:spcPts val="1000"/>
+              </a:spcBef>
+              <a:buFont typeface="Arial" panose="020B0604020202020204" pitchFamily="34" charset="0"/>
+              <a:buNone/>
+              <a:defRPr sz="2400" kern="1200">
+                <a:solidFill>
+                  <a:schemeClr val="tx1"/>
+                </a:solidFill>
+                <a:latin typeface="+mn-lt"/>
+                <a:ea typeface="+mn-ea"/>
+                <a:cs typeface="+mn-cs"/>
+              </a:defRPr>
+            </a:lvl1pPr>
+            <a:lvl2pPr marL="457200" indent="0" algn="ctr" defTabSz="914400" rtl="0" eaLnBrk="1" latinLnBrk="0" hangingPunct="1">
+              <a:lnSpc>
+                <a:spcPct val="90000"/>
+              </a:lnSpc>
+              <a:spcBef>
+                <a:spcPts val="500"/>
+              </a:spcBef>
+              <a:buFont typeface="Arial" panose="020B0604020202020204" pitchFamily="34" charset="0"/>
+              <a:buNone/>
+              <a:defRPr sz="2000" kern="1200">
+                <a:solidFill>
+                  <a:schemeClr val="tx1"/>
+                </a:solidFill>
+                <a:latin typeface="+mn-lt"/>
+                <a:ea typeface="+mn-ea"/>
+                <a:cs typeface="+mn-cs"/>
+              </a:defRPr>
+            </a:lvl2pPr>
+            <a:lvl3pPr marL="914400" indent="0" algn="ctr" defTabSz="914400" rtl="0" eaLnBrk="1" latinLnBrk="0" hangingPunct="1">
+              <a:lnSpc>
+                <a:spcPct val="90000"/>
+              </a:lnSpc>
+              <a:spcBef>
+                <a:spcPts val="500"/>
+              </a:spcBef>
+              <a:buFont typeface="Arial" panose="020B0604020202020204" pitchFamily="34" charset="0"/>
+              <a:buNone/>
+              <a:defRPr sz="1800" kern="1200">
+                <a:solidFill>
+                  <a:schemeClr val="tx1"/>
+                </a:solidFill>
+                <a:latin typeface="+mn-lt"/>
+                <a:ea typeface="+mn-ea"/>
+                <a:cs typeface="+mn-cs"/>
+              </a:defRPr>
+            </a:lvl3pPr>
+            <a:lvl4pPr marL="1371600" indent="0" algn="ctr" defTabSz="914400" rtl="0" eaLnBrk="1" latinLnBrk="0" hangingPunct="1">
+              <a:lnSpc>
+                <a:spcPct val="90000"/>
+              </a:lnSpc>
+              <a:spcBef>
+                <a:spcPts val="500"/>
+              </a:spcBef>
+              <a:buFont typeface="Arial" panose="020B0604020202020204" pitchFamily="34" charset="0"/>
+              <a:buNone/>
+              <a:defRPr sz="1600" kern="1200">
+                <a:solidFill>
+                  <a:schemeClr val="tx1"/>
+                </a:solidFill>
+                <a:latin typeface="+mn-lt"/>
+                <a:ea typeface="+mn-ea"/>
+                <a:cs typeface="+mn-cs"/>
+              </a:defRPr>
+            </a:lvl4pPr>
+            <a:lvl5pPr marL="1828800" indent="0" algn="ctr" defTabSz="914400" rtl="0" eaLnBrk="1" latinLnBrk="0" hangingPunct="1">
+              <a:lnSpc>
+                <a:spcPct val="90000"/>
+              </a:lnSpc>
+              <a:spcBef>
+                <a:spcPts val="500"/>
+              </a:spcBef>
+              <a:buFont typeface="Arial" panose="020B0604020202020204" pitchFamily="34" charset="0"/>
+              <a:buNone/>
+              <a:defRPr sz="1600" kern="1200">
+                <a:solidFill>
+                  <a:schemeClr val="tx1"/>
+                </a:solidFill>
+                <a:latin typeface="+mn-lt"/>
+                <a:ea typeface="+mn-ea"/>
+                <a:cs typeface="+mn-cs"/>
+              </a:defRPr>
+            </a:lvl5pPr>
+            <a:lvl6pPr marL="2286000" indent="0" algn="ctr" defTabSz="914400" rtl="0" eaLnBrk="1" latinLnBrk="0" hangingPunct="1">
+              <a:lnSpc>
+                <a:spcPct val="90000"/>
+              </a:lnSpc>
+              <a:spcBef>
+                <a:spcPts val="500"/>
+              </a:spcBef>
+              <a:buFont typeface="Arial" panose="020B0604020202020204" pitchFamily="34" charset="0"/>
+              <a:buNone/>
+              <a:defRPr sz="1600" kern="1200">
+                <a:solidFill>
+                  <a:schemeClr val="tx1"/>
+                </a:solidFill>
+                <a:latin typeface="+mn-lt"/>
+                <a:ea typeface="+mn-ea"/>
+                <a:cs typeface="+mn-cs"/>
+              </a:defRPr>
+            </a:lvl6pPr>
+            <a:lvl7pPr marL="2743200" indent="0" algn="ctr" defTabSz="914400" rtl="0" eaLnBrk="1" latinLnBrk="0" hangingPunct="1">
+              <a:lnSpc>
+                <a:spcPct val="90000"/>
+              </a:lnSpc>
+              <a:spcBef>
+                <a:spcPts val="500"/>
+              </a:spcBef>
+              <a:buFont typeface="Arial" panose="020B0604020202020204" pitchFamily="34" charset="0"/>
+              <a:buNone/>
+              <a:defRPr sz="1600" kern="1200">
+                <a:solidFill>
+                  <a:schemeClr val="tx1"/>
+                </a:solidFill>
+                <a:latin typeface="+mn-lt"/>
+                <a:ea typeface="+mn-ea"/>
+                <a:cs typeface="+mn-cs"/>
+              </a:defRPr>
+            </a:lvl7pPr>
+            <a:lvl8pPr marL="3200400" indent="0" algn="ctr" defTabSz="914400" rtl="0" eaLnBrk="1" latinLnBrk="0" hangingPunct="1">
+              <a:lnSpc>
+                <a:spcPct val="90000"/>
+              </a:lnSpc>
+              <a:spcBef>
+                <a:spcPts val="500"/>
+              </a:spcBef>
+              <a:buFont typeface="Arial" panose="020B0604020202020204" pitchFamily="34" charset="0"/>
+              <a:buNone/>
+              <a:defRPr sz="1600" kern="1200">
+                <a:solidFill>
+                  <a:schemeClr val="tx1"/>
+                </a:solidFill>
+                <a:latin typeface="+mn-lt"/>
+                <a:ea typeface="+mn-ea"/>
+                <a:cs typeface="+mn-cs"/>
+              </a:defRPr>
+            </a:lvl8pPr>
+            <a:lvl9pPr marL="3657600" indent="0" algn="ctr" defTabSz="914400" rtl="0" eaLnBrk="1" latinLnBrk="0" hangingPunct="1">
+              <a:lnSpc>
+                <a:spcPct val="90000"/>
+              </a:lnSpc>
+              <a:spcBef>
+                <a:spcPts val="500"/>
+              </a:spcBef>
+              <a:buFont typeface="Arial" panose="020B0604020202020204" pitchFamily="34" charset="0"/>
+              <a:buNone/>
+              <a:defRPr sz="1600" kern="1200">
+                <a:solidFill>
+                  <a:schemeClr val="tx1"/>
+                </a:solidFill>
+                <a:latin typeface="+mn-lt"/>
+                <a:ea typeface="+mn-ea"/>
+                <a:cs typeface="+mn-cs"/>
+              </a:defRPr>
+            </a:lvl9pPr>
+          </a:lstStyle>
+          <a:p>
+            <a:pPr marL="342900" indent="-342900" algn="l">
+              <a:buFont typeface="Wingdings" panose="05000000000000000000" pitchFamily="2" charset="2"/>
+              <a:buChar char="v"/>
+            </a:pPr>
+            <a:r>
+              <a:rPr lang="en-US" sz="2000" b="1" dirty="0"/>
+              <a:t>Dead Locks:</a:t>
+            </a:r>
+          </a:p>
+          <a:p>
+            <a:pPr marL="342900" indent="-342900" algn="l">
+              <a:buFont typeface="Wingdings" panose="05000000000000000000" pitchFamily="2" charset="2"/>
+              <a:buChar char="ü"/>
+            </a:pPr>
+            <a:r>
+              <a:rPr lang="en-US" sz="2000" dirty="0"/>
+              <a:t>When two threads are trying to acquire each other locks and end up with waiting indefinitely for the locks.</a:t>
+            </a:r>
+          </a:p>
+          <a:p>
+            <a:pPr marL="342900" indent="-342900" algn="l">
+              <a:buFont typeface="Wingdings" panose="05000000000000000000" pitchFamily="2" charset="2"/>
+              <a:buChar char="ü"/>
+            </a:pPr>
+            <a:r>
+              <a:rPr lang="en-US" sz="2000" dirty="0"/>
+              <a:t>In-order to avoid we have to acquire locks in appropriate order</a:t>
+            </a:r>
+          </a:p>
+        </p:txBody>
+      </p:sp>
+    </p:spTree>
+    <p:extLst>
+      <p:ext uri="{BB962C8B-B14F-4D97-AF65-F5344CB8AC3E}">
+        <p14:creationId xmlns:p14="http://schemas.microsoft.com/office/powerpoint/2010/main" val="198432612"/>
+      </p:ext>
+    </p:extLst>
+  </p:cSld>
+  <p:clrMapOvr>
+    <a:masterClrMapping/>
+  </p:clrMapOvr>
+</p:sld>
+</file>
+
+<file path=ppt/slides/slide8.xml><?xml version="1.0" encoding="utf-8"?>
+<p:sld xmlns:a="http://schemas.openxmlformats.org/drawingml/2006/main" xmlns:r="http://schemas.openxmlformats.org/officeDocument/2006/relationships" xmlns:p="http://schemas.openxmlformats.org/presentationml/2006/main">
+  <p:cSld>
+    <p:spTree>
+      <p:nvGrpSpPr>
+        <p:cNvPr id="1" name=""/>
+        <p:cNvGrpSpPr/>
+        <p:nvPr/>
+      </p:nvGrpSpPr>
+      <p:grpSpPr>
+        <a:xfrm>
+          <a:off x="0" y="0"/>
+          <a:ext cx="0" cy="0"/>
+          <a:chOff x="0" y="0"/>
+          <a:chExt cx="0" cy="0"/>
+        </a:xfrm>
+      </p:grpSpPr>
+      <p:sp>
+        <p:nvSpPr>
+          <p:cNvPr id="2" name="Content Placeholder 2">
+            <a:extLst>
+              <a:ext uri="{FF2B5EF4-FFF2-40B4-BE49-F238E27FC236}">
+                <a16:creationId xmlns:a16="http://schemas.microsoft.com/office/drawing/2014/main" id="{D23719C7-4584-C99C-DD2B-9DDDD83BD7DE}"/>
+              </a:ext>
+            </a:extLst>
+          </p:cNvPr>
+          <p:cNvSpPr txBox="1">
+            <a:spLocks/>
+          </p:cNvSpPr>
+          <p:nvPr/>
+        </p:nvSpPr>
+        <p:spPr>
+          <a:xfrm>
+            <a:off x="0" y="197136"/>
+            <a:ext cx="12053109" cy="6463728"/>
+          </a:xfrm>
+          <a:prstGeom prst="rect">
+            <a:avLst/>
+          </a:prstGeom>
+        </p:spPr>
+        <p:txBody>
+          <a:bodyPr vert="horz" lIns="91440" tIns="45720" rIns="91440" bIns="45720" rtlCol="0">
+            <a:normAutofit/>
+          </a:bodyPr>
+          <a:lstStyle>
+            <a:lvl1pPr marL="0" indent="0" algn="ctr" defTabSz="914400" rtl="0" eaLnBrk="1" latinLnBrk="0" hangingPunct="1">
+              <a:lnSpc>
+                <a:spcPct val="90000"/>
+              </a:lnSpc>
+              <a:spcBef>
+                <a:spcPts val="1000"/>
+              </a:spcBef>
+              <a:buFont typeface="Arial" panose="020B0604020202020204" pitchFamily="34" charset="0"/>
+              <a:buNone/>
+              <a:defRPr sz="2400" kern="1200">
+                <a:solidFill>
+                  <a:schemeClr val="tx1"/>
+                </a:solidFill>
+                <a:latin typeface="+mn-lt"/>
+                <a:ea typeface="+mn-ea"/>
+                <a:cs typeface="+mn-cs"/>
+              </a:defRPr>
+            </a:lvl1pPr>
+            <a:lvl2pPr marL="457200" indent="0" algn="ctr" defTabSz="914400" rtl="0" eaLnBrk="1" latinLnBrk="0" hangingPunct="1">
+              <a:lnSpc>
+                <a:spcPct val="90000"/>
+              </a:lnSpc>
+              <a:spcBef>
+                <a:spcPts val="500"/>
+              </a:spcBef>
+              <a:buFont typeface="Arial" panose="020B0604020202020204" pitchFamily="34" charset="0"/>
+              <a:buNone/>
+              <a:defRPr sz="2000" kern="1200">
+                <a:solidFill>
+                  <a:schemeClr val="tx1"/>
+                </a:solidFill>
+                <a:latin typeface="+mn-lt"/>
+                <a:ea typeface="+mn-ea"/>
+                <a:cs typeface="+mn-cs"/>
+              </a:defRPr>
+            </a:lvl2pPr>
+            <a:lvl3pPr marL="914400" indent="0" algn="ctr" defTabSz="914400" rtl="0" eaLnBrk="1" latinLnBrk="0" hangingPunct="1">
+              <a:lnSpc>
+                <a:spcPct val="90000"/>
+              </a:lnSpc>
+              <a:spcBef>
+                <a:spcPts val="500"/>
+              </a:spcBef>
+              <a:buFont typeface="Arial" panose="020B0604020202020204" pitchFamily="34" charset="0"/>
+              <a:buNone/>
+              <a:defRPr sz="1800" kern="1200">
+                <a:solidFill>
+                  <a:schemeClr val="tx1"/>
+                </a:solidFill>
+                <a:latin typeface="+mn-lt"/>
+                <a:ea typeface="+mn-ea"/>
+                <a:cs typeface="+mn-cs"/>
+              </a:defRPr>
+            </a:lvl3pPr>
+            <a:lvl4pPr marL="1371600" indent="0" algn="ctr" defTabSz="914400" rtl="0" eaLnBrk="1" latinLnBrk="0" hangingPunct="1">
+              <a:lnSpc>
+                <a:spcPct val="90000"/>
+              </a:lnSpc>
+              <a:spcBef>
+                <a:spcPts val="500"/>
+              </a:spcBef>
+              <a:buFont typeface="Arial" panose="020B0604020202020204" pitchFamily="34" charset="0"/>
+              <a:buNone/>
+              <a:defRPr sz="1600" kern="1200">
+                <a:solidFill>
+                  <a:schemeClr val="tx1"/>
+                </a:solidFill>
+                <a:latin typeface="+mn-lt"/>
+                <a:ea typeface="+mn-ea"/>
+                <a:cs typeface="+mn-cs"/>
+              </a:defRPr>
+            </a:lvl4pPr>
+            <a:lvl5pPr marL="1828800" indent="0" algn="ctr" defTabSz="914400" rtl="0" eaLnBrk="1" latinLnBrk="0" hangingPunct="1">
+              <a:lnSpc>
+                <a:spcPct val="90000"/>
+              </a:lnSpc>
+              <a:spcBef>
+                <a:spcPts val="500"/>
+              </a:spcBef>
+              <a:buFont typeface="Arial" panose="020B0604020202020204" pitchFamily="34" charset="0"/>
+              <a:buNone/>
+              <a:defRPr sz="1600" kern="1200">
+                <a:solidFill>
+                  <a:schemeClr val="tx1"/>
+                </a:solidFill>
+                <a:latin typeface="+mn-lt"/>
+                <a:ea typeface="+mn-ea"/>
+                <a:cs typeface="+mn-cs"/>
+              </a:defRPr>
+            </a:lvl5pPr>
+            <a:lvl6pPr marL="2286000" indent="0" algn="ctr" defTabSz="914400" rtl="0" eaLnBrk="1" latinLnBrk="0" hangingPunct="1">
+              <a:lnSpc>
+                <a:spcPct val="90000"/>
+              </a:lnSpc>
+              <a:spcBef>
+                <a:spcPts val="500"/>
+              </a:spcBef>
+              <a:buFont typeface="Arial" panose="020B0604020202020204" pitchFamily="34" charset="0"/>
+              <a:buNone/>
+              <a:defRPr sz="1600" kern="1200">
+                <a:solidFill>
+                  <a:schemeClr val="tx1"/>
+                </a:solidFill>
+                <a:latin typeface="+mn-lt"/>
+                <a:ea typeface="+mn-ea"/>
+                <a:cs typeface="+mn-cs"/>
+              </a:defRPr>
+            </a:lvl6pPr>
+            <a:lvl7pPr marL="2743200" indent="0" algn="ctr" defTabSz="914400" rtl="0" eaLnBrk="1" latinLnBrk="0" hangingPunct="1">
+              <a:lnSpc>
+                <a:spcPct val="90000"/>
+              </a:lnSpc>
+              <a:spcBef>
+                <a:spcPts val="500"/>
+              </a:spcBef>
+              <a:buFont typeface="Arial" panose="020B0604020202020204" pitchFamily="34" charset="0"/>
+              <a:buNone/>
+              <a:defRPr sz="1600" kern="1200">
+                <a:solidFill>
+                  <a:schemeClr val="tx1"/>
+                </a:solidFill>
+                <a:latin typeface="+mn-lt"/>
+                <a:ea typeface="+mn-ea"/>
+                <a:cs typeface="+mn-cs"/>
+              </a:defRPr>
+            </a:lvl7pPr>
+            <a:lvl8pPr marL="3200400" indent="0" algn="ctr" defTabSz="914400" rtl="0" eaLnBrk="1" latinLnBrk="0" hangingPunct="1">
+              <a:lnSpc>
+                <a:spcPct val="90000"/>
+              </a:lnSpc>
+              <a:spcBef>
+                <a:spcPts val="500"/>
+              </a:spcBef>
+              <a:buFont typeface="Arial" panose="020B0604020202020204" pitchFamily="34" charset="0"/>
+              <a:buNone/>
+              <a:defRPr sz="1600" kern="1200">
+                <a:solidFill>
+                  <a:schemeClr val="tx1"/>
+                </a:solidFill>
+                <a:latin typeface="+mn-lt"/>
+                <a:ea typeface="+mn-ea"/>
+                <a:cs typeface="+mn-cs"/>
+              </a:defRPr>
+            </a:lvl8pPr>
+            <a:lvl9pPr marL="3657600" indent="0" algn="ctr" defTabSz="914400" rtl="0" eaLnBrk="1" latinLnBrk="0" hangingPunct="1">
+              <a:lnSpc>
+                <a:spcPct val="90000"/>
+              </a:lnSpc>
+              <a:spcBef>
+                <a:spcPts val="500"/>
+              </a:spcBef>
+              <a:buFont typeface="Arial" panose="020B0604020202020204" pitchFamily="34" charset="0"/>
+              <a:buNone/>
+              <a:defRPr sz="1600" kern="1200">
+                <a:solidFill>
+                  <a:schemeClr val="tx1"/>
+                </a:solidFill>
+                <a:latin typeface="+mn-lt"/>
+                <a:ea typeface="+mn-ea"/>
+                <a:cs typeface="+mn-cs"/>
+              </a:defRPr>
+            </a:lvl9pPr>
+          </a:lstStyle>
+          <a:p>
+            <a:pPr marL="342900" indent="-342900" algn="l">
+              <a:buFont typeface="Wingdings" panose="05000000000000000000" pitchFamily="2" charset="2"/>
+              <a:buChar char="v"/>
+            </a:pPr>
+            <a:r>
+              <a:rPr lang="en-US" sz="2000" b="1" dirty="0"/>
+              <a:t>Atomic Data Structures:</a:t>
+            </a:r>
+          </a:p>
+          <a:p>
+            <a:pPr marL="342900" indent="-342900" algn="l">
+              <a:buFont typeface="Wingdings" panose="05000000000000000000" pitchFamily="2" charset="2"/>
+              <a:buChar char="ü"/>
+            </a:pPr>
+            <a:r>
+              <a:rPr lang="en-US" sz="2000" dirty="0"/>
+              <a:t>Provides a way to do frequent operations on non-atomic data types atomically.</a:t>
+            </a:r>
+          </a:p>
+          <a:p>
+            <a:pPr marL="342900" indent="-342900" algn="l">
+              <a:buFont typeface="Wingdings" panose="05000000000000000000" pitchFamily="2" charset="2"/>
+              <a:buChar char="ü"/>
+            </a:pPr>
+            <a:r>
+              <a:rPr lang="en-US" sz="2000" dirty="0"/>
+              <a:t>But the performance is slow when compared with primitive data types.</a:t>
+            </a:r>
+          </a:p>
+          <a:p>
+            <a:pPr marL="342900" indent="-342900" algn="l">
+              <a:buFont typeface="Wingdings" panose="05000000000000000000" pitchFamily="2" charset="2"/>
+              <a:buChar char="v"/>
+            </a:pPr>
+            <a:r>
+              <a:rPr lang="en-US" sz="2000" b="1" dirty="0"/>
+              <a:t>Concurrent Data Structures:</a:t>
+            </a:r>
+          </a:p>
+        </p:txBody>
+      </p:sp>
+    </p:spTree>
+    <p:extLst>
+      <p:ext uri="{BB962C8B-B14F-4D97-AF65-F5344CB8AC3E}">
+        <p14:creationId xmlns:p14="http://schemas.microsoft.com/office/powerpoint/2010/main" val="4237658293"/>
       </p:ext>
     </p:extLst>
   </p:cSld>

--- a/src/Java/MultiThreading/MultiThreading.pptx
+++ b/src/Java/MultiThreading/MultiThreading.pptx
@@ -268,7 +268,7 @@
           <a:p>
             <a:fld id="{2AA7C26F-BFB7-48D1-B533-F45EF6F9D261}" type="datetimeFigureOut">
               <a:rPr lang="en-IN" smtClean="0"/>
-              <a:t>31-01-2026</a:t>
+              <a:t>02-02-2026</a:t>
             </a:fld>
             <a:endParaRPr lang="en-IN"/>
           </a:p>
@@ -468,7 +468,7 @@
           <a:p>
             <a:fld id="{2AA7C26F-BFB7-48D1-B533-F45EF6F9D261}" type="datetimeFigureOut">
               <a:rPr lang="en-IN" smtClean="0"/>
-              <a:t>31-01-2026</a:t>
+              <a:t>02-02-2026</a:t>
             </a:fld>
             <a:endParaRPr lang="en-IN"/>
           </a:p>
@@ -678,7 +678,7 @@
           <a:p>
             <a:fld id="{2AA7C26F-BFB7-48D1-B533-F45EF6F9D261}" type="datetimeFigureOut">
               <a:rPr lang="en-IN" smtClean="0"/>
-              <a:t>31-01-2026</a:t>
+              <a:t>02-02-2026</a:t>
             </a:fld>
             <a:endParaRPr lang="en-IN"/>
           </a:p>
@@ -878,7 +878,7 @@
           <a:p>
             <a:fld id="{2AA7C26F-BFB7-48D1-B533-F45EF6F9D261}" type="datetimeFigureOut">
               <a:rPr lang="en-IN" smtClean="0"/>
-              <a:t>31-01-2026</a:t>
+              <a:t>02-02-2026</a:t>
             </a:fld>
             <a:endParaRPr lang="en-IN"/>
           </a:p>
@@ -1154,7 +1154,7 @@
           <a:p>
             <a:fld id="{2AA7C26F-BFB7-48D1-B533-F45EF6F9D261}" type="datetimeFigureOut">
               <a:rPr lang="en-IN" smtClean="0"/>
-              <a:t>31-01-2026</a:t>
+              <a:t>02-02-2026</a:t>
             </a:fld>
             <a:endParaRPr lang="en-IN"/>
           </a:p>
@@ -1422,7 +1422,7 @@
           <a:p>
             <a:fld id="{2AA7C26F-BFB7-48D1-B533-F45EF6F9D261}" type="datetimeFigureOut">
               <a:rPr lang="en-IN" smtClean="0"/>
-              <a:t>31-01-2026</a:t>
+              <a:t>02-02-2026</a:t>
             </a:fld>
             <a:endParaRPr lang="en-IN"/>
           </a:p>
@@ -1837,7 +1837,7 @@
           <a:p>
             <a:fld id="{2AA7C26F-BFB7-48D1-B533-F45EF6F9D261}" type="datetimeFigureOut">
               <a:rPr lang="en-IN" smtClean="0"/>
-              <a:t>31-01-2026</a:t>
+              <a:t>02-02-2026</a:t>
             </a:fld>
             <a:endParaRPr lang="en-IN"/>
           </a:p>
@@ -1979,7 +1979,7 @@
           <a:p>
             <a:fld id="{2AA7C26F-BFB7-48D1-B533-F45EF6F9D261}" type="datetimeFigureOut">
               <a:rPr lang="en-IN" smtClean="0"/>
-              <a:t>31-01-2026</a:t>
+              <a:t>02-02-2026</a:t>
             </a:fld>
             <a:endParaRPr lang="en-IN"/>
           </a:p>
@@ -2092,7 +2092,7 @@
           <a:p>
             <a:fld id="{2AA7C26F-BFB7-48D1-B533-F45EF6F9D261}" type="datetimeFigureOut">
               <a:rPr lang="en-IN" smtClean="0"/>
-              <a:t>31-01-2026</a:t>
+              <a:t>02-02-2026</a:t>
             </a:fld>
             <a:endParaRPr lang="en-IN"/>
           </a:p>
@@ -2405,7 +2405,7 @@
           <a:p>
             <a:fld id="{2AA7C26F-BFB7-48D1-B533-F45EF6F9D261}" type="datetimeFigureOut">
               <a:rPr lang="en-IN" smtClean="0"/>
-              <a:t>31-01-2026</a:t>
+              <a:t>02-02-2026</a:t>
             </a:fld>
             <a:endParaRPr lang="en-IN"/>
           </a:p>
@@ -2694,7 +2694,7 @@
           <a:p>
             <a:fld id="{2AA7C26F-BFB7-48D1-B533-F45EF6F9D261}" type="datetimeFigureOut">
               <a:rPr lang="en-IN" smtClean="0"/>
-              <a:t>31-01-2026</a:t>
+              <a:t>02-02-2026</a:t>
             </a:fld>
             <a:endParaRPr lang="en-IN"/>
           </a:p>
@@ -2937,7 +2937,7 @@
           <a:p>
             <a:fld id="{2AA7C26F-BFB7-48D1-B533-F45EF6F9D261}" type="datetimeFigureOut">
               <a:rPr lang="en-IN" smtClean="0"/>
-              <a:t>31-01-2026</a:t>
+              <a:t>02-02-2026</a:t>
             </a:fld>
             <a:endParaRPr lang="en-IN"/>
           </a:p>
@@ -3402,8 +3402,8 @@
           </a:lstStyle>
           <a:p>
             <a:r>
-              <a:rPr lang="en-US" dirty="0"/>
-              <a:t>Multithreading:</a:t>
+              <a:rPr lang="en-US" b="1" dirty="0"/>
+              <a:t>Multi-Threading</a:t>
             </a:r>
           </a:p>
         </p:txBody>
